--- a/Video Ver1/Video PPT/31. Left Outer Join.pptx
+++ b/Video Ver1/Video PPT/31. Left Outer Join.pptx
@@ -113,7 +113,7 @@
   </p:defaultTextStyle>
   <p:extLst>
     <p:ext uri="{521415D9-36F7-43E2-AB2F-B90AF26B5E84}">
-      <p14:sectionLst xmlns:p14="http://schemas.microsoft.com/office/powerpoint/2010/main" xmlns="">
+      <p14:sectionLst xmlns="" xmlns:p14="http://schemas.microsoft.com/office/powerpoint/2010/main">
         <p14:section name="Introduction" id="{A3D14946-8297-4856-B082-4FEFA482017C}">
           <p14:sldIdLst>
             <p14:sldId id="282"/>
@@ -754,7 +754,7 @@
       </p14:sectionLst>
     </p:ext>
     <p:ext uri="{EFAFB233-063F-42B5-8137-9DF3F51BA10A}">
-      <p15:sldGuideLst xmlns:p15="http://schemas.microsoft.com/office/powerpoint/2012/main" xmlns="">
+      <p15:sldGuideLst xmlns="" xmlns:p15="http://schemas.microsoft.com/office/powerpoint/2012/main">
         <p15:guide id="1" orient="horz" pos="2160">
           <p15:clr>
             <a:srgbClr val="A4A3A4"/>
@@ -776,7 +776,7 @@
   <p:cmAuthor id="1" name="Saleel" initials="S" lastIdx="1" clrIdx="0">
     <p:extLst>
       <p:ext uri="{19B8F6BF-5375-455C-9EA6-DF929625EA0E}">
-        <p15:presenceInfo xmlns:p15="http://schemas.microsoft.com/office/powerpoint/2012/main" xmlns="" userId="Saleel" providerId="None"/>
+        <p15:presenceInfo xmlns="" xmlns:p15="http://schemas.microsoft.com/office/powerpoint/2012/main" userId="Saleel" providerId="None"/>
       </p:ext>
     </p:extLst>
   </p:cmAuthor>
@@ -1211,7 +1211,7 @@
     </p:spTree>
     <p:extLst>
       <p:ext uri="{BB962C8B-B14F-4D97-AF65-F5344CB8AC3E}">
-        <p14:creationId xmlns:p14="http://schemas.microsoft.com/office/powerpoint/2010/main" xmlns="" val="4169711313"/>
+        <p14:creationId xmlns="" xmlns:p14="http://schemas.microsoft.com/office/powerpoint/2010/main" val="4169711313"/>
       </p:ext>
     </p:extLst>
   </p:cSld>
@@ -4269,7 +4269,7 @@
           <p:cNvPr id="3" name="Picture 2">
             <a:extLst>
               <a:ext uri="{FF2B5EF4-FFF2-40B4-BE49-F238E27FC236}">
-                <a16:creationId xmlns="" xmlns:a16="http://schemas.microsoft.com/office/drawing/2014/main" id="{41A85463-8A73-4AAF-B006-A8206B2E4A66}"/>
+                <a16:creationId xmlns:a16="http://schemas.microsoft.com/office/drawing/2014/main" xmlns="" id="{41A85463-8A73-4AAF-B006-A8206B2E4A66}"/>
               </a:ext>
             </a:extLst>
           </p:cNvPr>
@@ -4282,7 +4282,7 @@
           <a:blip r:embed="rId2" cstate="print">
             <a:extLst>
               <a:ext uri="{28A0092B-C50C-407E-A947-70E740481C1C}">
-                <a14:useLocalDpi xmlns="" xmlns:a14="http://schemas.microsoft.com/office/drawing/2010/main" val="0"/>
+                <a14:useLocalDpi xmlns:a14="http://schemas.microsoft.com/office/drawing/2010/main" xmlns="" val="0"/>
               </a:ext>
             </a:extLst>
           </a:blip>
@@ -4305,7 +4305,7 @@
           <p:cNvPr id="4" name="Footer Placeholder 2">
             <a:extLst>
               <a:ext uri="{FF2B5EF4-FFF2-40B4-BE49-F238E27FC236}">
-                <a16:creationId xmlns="" xmlns:a16="http://schemas.microsoft.com/office/drawing/2014/main" id="{4610B96E-6F6B-4597-8ADF-B68C8A17E820}"/>
+                <a16:creationId xmlns:a16="http://schemas.microsoft.com/office/drawing/2014/main" xmlns="" id="{4610B96E-6F6B-4597-8ADF-B68C8A17E820}"/>
               </a:ext>
             </a:extLst>
           </p:cNvPr>
@@ -4746,7 +4746,7 @@
     </p:spTree>
     <p:extLst>
       <p:ext uri="{BB962C8B-B14F-4D97-AF65-F5344CB8AC3E}">
-        <p14:creationId xmlns="" xmlns:p14="http://schemas.microsoft.com/office/powerpoint/2010/main" val="4253925860"/>
+        <p14:creationId xmlns:p14="http://schemas.microsoft.com/office/powerpoint/2010/main" xmlns="" val="4253925860"/>
       </p:ext>
     </p:extLst>
   </p:cSld>
@@ -4857,7 +4857,7 @@
           <p:cNvPr id="3" name="Picture 2">
             <a:extLst>
               <a:ext uri="{FF2B5EF4-FFF2-40B4-BE49-F238E27FC236}">
-                <a16:creationId xmlns="" xmlns:a16="http://schemas.microsoft.com/office/drawing/2014/main" id="{41A85463-8A73-4AAF-B006-A8206B2E4A66}"/>
+                <a16:creationId xmlns:a16="http://schemas.microsoft.com/office/drawing/2014/main" xmlns="" id="{41A85463-8A73-4AAF-B006-A8206B2E4A66}"/>
               </a:ext>
             </a:extLst>
           </p:cNvPr>
@@ -4870,7 +4870,7 @@
           <a:blip r:embed="rId2" cstate="print">
             <a:extLst>
               <a:ext uri="{28A0092B-C50C-407E-A947-70E740481C1C}">
-                <a14:useLocalDpi xmlns="" xmlns:a14="http://schemas.microsoft.com/office/drawing/2010/main" val="0"/>
+                <a14:useLocalDpi xmlns:a14="http://schemas.microsoft.com/office/drawing/2010/main" xmlns="" val="0"/>
               </a:ext>
             </a:extLst>
           </a:blip>
@@ -4890,10 +4890,99 @@
       </p:pic>
       <p:sp>
         <p:nvSpPr>
-          <p:cNvPr id="4" name="Footer Placeholder 2">
+          <p:cNvPr id="5" name="Rectangle 4"/>
+          <p:cNvSpPr/>
+          <p:nvPr/>
+        </p:nvSpPr>
+        <p:spPr>
+          <a:xfrm>
+            <a:off x="406574" y="836712"/>
+            <a:ext cx="11305256" cy="923330"/>
+          </a:xfrm>
+          <a:prstGeom prst="rect">
+            <a:avLst/>
+          </a:prstGeom>
+        </p:spPr>
+        <p:txBody>
+          <a:bodyPr wrap="square">
+            <a:spAutoFit/>
+          </a:bodyPr>
+          <a:lstStyle/>
+          <a:p>
+            <a:r>
+              <a:rPr lang="en-US" b="1" dirty="0" smtClean="0"/>
+              <a:t>Use</a:t>
+            </a:r>
+            <a:r>
+              <a:rPr lang="en-US" dirty="0" smtClean="0"/>
+              <a:t> an  </a:t>
+            </a:r>
+            <a:r>
+              <a:rPr lang="en-US" b="1" dirty="0" smtClean="0"/>
+              <a:t>INNER JOIN</a:t>
+            </a:r>
+            <a:r>
+              <a:rPr lang="en-US" dirty="0" smtClean="0"/>
+              <a:t> when you need to match rows from two tables. Rows that match remain in the result, those that don't are rejected. The match condition is commonly called the </a:t>
+            </a:r>
+            <a:r>
+              <a:rPr lang="en-US" b="1" dirty="0" smtClean="0"/>
+              <a:t>join</a:t>
+            </a:r>
+            <a:r>
+              <a:rPr lang="en-US" dirty="0" smtClean="0"/>
+              <a:t> condition. </a:t>
+            </a:r>
+            <a:r>
+              <a:rPr lang="en-US" dirty="0" smtClean="0">
+                <a:latin typeface="Palatino Linotype" pitchFamily="18" charset="0"/>
+              </a:rPr>
+              <a:t>Inner/ equi Join</a:t>
+            </a:r>
+            <a:r>
+              <a:rPr lang="en-IN" dirty="0" smtClean="0">
+                <a:latin typeface="Palatino Linotype" pitchFamily="18" charset="0"/>
+              </a:rPr>
+              <a:t> returns rows when there is at least one match in both tables.</a:t>
+            </a:r>
+          </a:p>
+        </p:txBody>
+      </p:sp>
+      <p:sp>
+        <p:nvSpPr>
+          <p:cNvPr id="6" name="Rectangle 5"/>
+          <p:cNvSpPr/>
+          <p:nvPr/>
+        </p:nvSpPr>
+        <p:spPr>
+          <a:xfrm>
+            <a:off x="478582" y="1844824"/>
+            <a:ext cx="10945216" cy="646331"/>
+          </a:xfrm>
+          <a:prstGeom prst="rect">
+            <a:avLst/>
+          </a:prstGeom>
+        </p:spPr>
+        <p:txBody>
+          <a:bodyPr wrap="square">
+            <a:spAutoFit/>
+          </a:bodyPr>
+          <a:lstStyle/>
+          <a:p>
+            <a:r>
+              <a:rPr lang="en-US" dirty="0" smtClean="0"/>
+              <a:t>The following table illustrates the inner join of two tables T1 (1,2,3,4,5) and T2 (A,B,C,D). The result includes rows: (2,A), (3,B),a dn (4,C) as they have the same patterns.</a:t>
+            </a:r>
+            <a:endParaRPr lang="en-US" dirty="0"/>
+          </a:p>
+        </p:txBody>
+      </p:sp>
+      <p:sp>
+        <p:nvSpPr>
+          <p:cNvPr id="22" name="Footer Placeholder 2">
             <a:extLst>
               <a:ext uri="{FF2B5EF4-FFF2-40B4-BE49-F238E27FC236}">
-                <a16:creationId xmlns="" xmlns:a16="http://schemas.microsoft.com/office/drawing/2014/main" id="{4610B96E-6F6B-4597-8ADF-B68C8A17E820}"/>
+                <a16:creationId xmlns="" xmlns:a16="http://schemas.microsoft.com/office/drawing/2014/main" id="{FE7D71F0-97C1-4A7C-A634-BE2CA956F0C6}"/>
               </a:ext>
             </a:extLst>
           </p:cNvPr>
@@ -5020,775 +5109,762 @@
           </a:p>
         </p:txBody>
       </p:sp>
-      <p:sp>
-        <p:nvSpPr>
-          <p:cNvPr id="5" name="Rectangle 4"/>
-          <p:cNvSpPr/>
+      <p:grpSp>
+        <p:nvGrpSpPr>
+          <p:cNvPr id="27" name="Group 26"/>
+          <p:cNvGrpSpPr/>
           <p:nvPr/>
-        </p:nvSpPr>
-        <p:spPr>
-          <a:xfrm>
-            <a:off x="406574" y="836712"/>
-            <a:ext cx="11305256" cy="923330"/>
-          </a:xfrm>
-          <a:prstGeom prst="rect">
-            <a:avLst/>
-          </a:prstGeom>
-        </p:spPr>
-        <p:txBody>
-          <a:bodyPr wrap="square">
-            <a:spAutoFit/>
-          </a:bodyPr>
-          <a:lstStyle/>
-          <a:p>
-            <a:r>
-              <a:rPr lang="en-US" b="1" dirty="0" smtClean="0"/>
-              <a:t>Use</a:t>
-            </a:r>
-            <a:r>
-              <a:rPr lang="en-US" dirty="0" smtClean="0"/>
-              <a:t> an  </a:t>
-            </a:r>
-            <a:r>
-              <a:rPr lang="en-US" b="1" dirty="0" smtClean="0"/>
-              <a:t>INNER JOIN</a:t>
-            </a:r>
-            <a:r>
-              <a:rPr lang="en-US" dirty="0" smtClean="0"/>
-              <a:t> when you need to match rows from two tables. Rows that match remain in the result, those that don't are rejected. The match condition is commonly called the </a:t>
-            </a:r>
-            <a:r>
-              <a:rPr lang="en-US" b="1" dirty="0" smtClean="0"/>
-              <a:t>join</a:t>
-            </a:r>
-            <a:r>
-              <a:rPr lang="en-US" dirty="0" smtClean="0"/>
-              <a:t> condition. </a:t>
-            </a:r>
-            <a:r>
-              <a:rPr lang="en-US" dirty="0" smtClean="0">
-                <a:latin typeface="Palatino Linotype" pitchFamily="18" charset="0"/>
-              </a:rPr>
-              <a:t>Inner/ equi Join</a:t>
-            </a:r>
-            <a:r>
-              <a:rPr lang="en-IN" dirty="0" smtClean="0">
-                <a:latin typeface="Palatino Linotype" pitchFamily="18" charset="0"/>
-              </a:rPr>
-              <a:t> returns rows when there is at least one match in both tables.</a:t>
-            </a:r>
-          </a:p>
-        </p:txBody>
-      </p:sp>
-      <p:sp>
-        <p:nvSpPr>
-          <p:cNvPr id="6" name="Rectangle 5"/>
-          <p:cNvSpPr/>
-          <p:nvPr/>
-        </p:nvSpPr>
-        <p:spPr>
-          <a:xfrm>
-            <a:off x="478582" y="1988840"/>
-            <a:ext cx="10945216" cy="646331"/>
-          </a:xfrm>
-          <a:prstGeom prst="rect">
-            <a:avLst/>
-          </a:prstGeom>
-        </p:spPr>
-        <p:txBody>
-          <a:bodyPr wrap="square">
-            <a:spAutoFit/>
-          </a:bodyPr>
-          <a:lstStyle/>
-          <a:p>
-            <a:r>
-              <a:rPr lang="en-US" dirty="0" smtClean="0"/>
-              <a:t>The following table illustrates the inner join of two tables T1 (1,2,3,4,5) and T2 (A,B,C,D). The result includes rows: (2,A), (3,B),a dn (4,C) as they have the same patterns.</a:t>
-            </a:r>
-            <a:endParaRPr lang="en-US" dirty="0"/>
-          </a:p>
-        </p:txBody>
-      </p:sp>
-      <p:pic>
-        <p:nvPicPr>
-          <p:cNvPr id="2" name="Picture 2"/>
-          <p:cNvPicPr>
-            <a:picLocks noChangeAspect="1" noChangeArrowheads="1"/>
-          </p:cNvPicPr>
-          <p:nvPr/>
-        </p:nvPicPr>
-        <p:blipFill>
-          <a:blip r:embed="rId3" cstate="print"/>
-          <a:srcRect/>
-          <a:stretch>
-            <a:fillRect/>
-          </a:stretch>
-        </p:blipFill>
-        <p:spPr bwMode="auto">
-          <a:xfrm>
-            <a:off x="622597" y="3068960"/>
-            <a:ext cx="9144000" cy="3670282"/>
-          </a:xfrm>
-          <a:prstGeom prst="rect">
-            <a:avLst/>
-          </a:prstGeom>
-          <a:noFill/>
-          <a:ln w="9525">
+        </p:nvGrpSpPr>
+        <p:grpSpPr>
+          <a:xfrm>
+            <a:off x="694606" y="2564904"/>
+            <a:ext cx="9433048" cy="3816424"/>
+            <a:chOff x="508562" y="2564904"/>
+            <a:chExt cx="9433048" cy="3816424"/>
+          </a:xfrm>
+        </p:grpSpPr>
+        <p:grpSp>
+          <p:nvGrpSpPr>
+            <p:cNvPr id="24" name="Group 23"/>
+            <p:cNvGrpSpPr/>
+            <p:nvPr/>
+          </p:nvGrpSpPr>
+          <p:grpSpPr>
+            <a:xfrm>
+              <a:off x="622598" y="2708920"/>
+              <a:ext cx="9159530" cy="3670282"/>
+              <a:chOff x="608084" y="2778150"/>
+              <a:chExt cx="9159530" cy="3670282"/>
+            </a:xfrm>
+          </p:grpSpPr>
+          <p:pic>
+            <p:nvPicPr>
+              <p:cNvPr id="2" name="Picture 2"/>
+              <p:cNvPicPr>
+                <a:picLocks noChangeAspect="1" noChangeArrowheads="1"/>
+              </p:cNvPicPr>
+              <p:nvPr/>
+            </p:nvPicPr>
+            <p:blipFill>
+              <a:blip r:embed="rId3" cstate="print"/>
+              <a:srcRect/>
+              <a:stretch>
+                <a:fillRect/>
+              </a:stretch>
+            </p:blipFill>
+            <p:spPr bwMode="auto">
+              <a:xfrm>
+                <a:off x="622597" y="2778150"/>
+                <a:ext cx="9144000" cy="3670282"/>
+              </a:xfrm>
+              <a:prstGeom prst="rect">
+                <a:avLst/>
+              </a:prstGeom>
+              <a:noFill/>
+              <a:ln w="9525">
+                <a:noFill/>
+                <a:miter lim="800000"/>
+                <a:headEnd/>
+                <a:tailEnd/>
+              </a:ln>
+            </p:spPr>
+          </p:pic>
+          <p:sp>
+            <p:nvSpPr>
+              <p:cNvPr id="23" name="Rectangle 22"/>
+              <p:cNvSpPr/>
+              <p:nvPr/>
+            </p:nvSpPr>
+            <p:spPr>
+              <a:xfrm>
+                <a:off x="608084" y="2778150"/>
+                <a:ext cx="1512168" cy="489542"/>
+              </a:xfrm>
+              <a:prstGeom prst="rect">
+                <a:avLst/>
+              </a:prstGeom>
+              <a:noFill/>
+              <a:ln w="3175">
+                <a:solidFill>
+                  <a:schemeClr val="tx1"/>
+                </a:solidFill>
+              </a:ln>
+            </p:spPr>
+            <p:style>
+              <a:lnRef idx="2">
+                <a:schemeClr val="accent1">
+                  <a:shade val="50000"/>
+                </a:schemeClr>
+              </a:lnRef>
+              <a:fillRef idx="1">
+                <a:schemeClr val="accent1"/>
+              </a:fillRef>
+              <a:effectRef idx="0">
+                <a:schemeClr val="accent1"/>
+              </a:effectRef>
+              <a:fontRef idx="minor">
+                <a:schemeClr val="lt1"/>
+              </a:fontRef>
+            </p:style>
+            <p:txBody>
+              <a:bodyPr rtlCol="0" anchor="ctr"/>
+              <a:lstStyle/>
+              <a:p>
+                <a:pPr algn="ctr"/>
+                <a:endParaRPr lang="en-US"/>
+              </a:p>
+            </p:txBody>
+          </p:sp>
+          <p:sp>
+            <p:nvSpPr>
+              <p:cNvPr id="28" name="Rectangle 27"/>
+              <p:cNvSpPr/>
+              <p:nvPr/>
+            </p:nvSpPr>
+            <p:spPr>
+              <a:xfrm>
+                <a:off x="608084" y="3426222"/>
+                <a:ext cx="1512168" cy="489542"/>
+              </a:xfrm>
+              <a:prstGeom prst="rect">
+                <a:avLst/>
+              </a:prstGeom>
+              <a:noFill/>
+              <a:ln w="3175">
+                <a:solidFill>
+                  <a:schemeClr val="tx1"/>
+                </a:solidFill>
+              </a:ln>
+            </p:spPr>
+            <p:style>
+              <a:lnRef idx="2">
+                <a:schemeClr val="accent1">
+                  <a:shade val="50000"/>
+                </a:schemeClr>
+              </a:lnRef>
+              <a:fillRef idx="1">
+                <a:schemeClr val="accent1"/>
+              </a:fillRef>
+              <a:effectRef idx="0">
+                <a:schemeClr val="accent1"/>
+              </a:effectRef>
+              <a:fontRef idx="minor">
+                <a:schemeClr val="lt1"/>
+              </a:fontRef>
+            </p:style>
+            <p:txBody>
+              <a:bodyPr rtlCol="0" anchor="ctr"/>
+              <a:lstStyle/>
+              <a:p>
+                <a:pPr algn="ctr"/>
+                <a:endParaRPr lang="en-US"/>
+              </a:p>
+            </p:txBody>
+          </p:sp>
+          <p:sp>
+            <p:nvSpPr>
+              <p:cNvPr id="29" name="Rectangle 28"/>
+              <p:cNvSpPr/>
+              <p:nvPr/>
+            </p:nvSpPr>
+            <p:spPr>
+              <a:xfrm>
+                <a:off x="608084" y="4045828"/>
+                <a:ext cx="1512168" cy="489542"/>
+              </a:xfrm>
+              <a:prstGeom prst="rect">
+                <a:avLst/>
+              </a:prstGeom>
+              <a:noFill/>
+              <a:ln w="3175">
+                <a:solidFill>
+                  <a:schemeClr val="tx1"/>
+                </a:solidFill>
+              </a:ln>
+            </p:spPr>
+            <p:style>
+              <a:lnRef idx="2">
+                <a:schemeClr val="accent1">
+                  <a:shade val="50000"/>
+                </a:schemeClr>
+              </a:lnRef>
+              <a:fillRef idx="1">
+                <a:schemeClr val="accent1"/>
+              </a:fillRef>
+              <a:effectRef idx="0">
+                <a:schemeClr val="accent1"/>
+              </a:effectRef>
+              <a:fontRef idx="minor">
+                <a:schemeClr val="lt1"/>
+              </a:fontRef>
+            </p:style>
+            <p:txBody>
+              <a:bodyPr rtlCol="0" anchor="ctr"/>
+              <a:lstStyle/>
+              <a:p>
+                <a:pPr algn="ctr"/>
+                <a:endParaRPr lang="en-US"/>
+              </a:p>
+            </p:txBody>
+          </p:sp>
+          <p:sp>
+            <p:nvSpPr>
+              <p:cNvPr id="30" name="Rectangle 29"/>
+              <p:cNvSpPr/>
+              <p:nvPr/>
+            </p:nvSpPr>
+            <p:spPr>
+              <a:xfrm>
+                <a:off x="608084" y="4679386"/>
+                <a:ext cx="1512168" cy="489542"/>
+              </a:xfrm>
+              <a:prstGeom prst="rect">
+                <a:avLst/>
+              </a:prstGeom>
+              <a:noFill/>
+              <a:ln w="3175">
+                <a:solidFill>
+                  <a:schemeClr val="tx1"/>
+                </a:solidFill>
+              </a:ln>
+            </p:spPr>
+            <p:style>
+              <a:lnRef idx="2">
+                <a:schemeClr val="accent1">
+                  <a:shade val="50000"/>
+                </a:schemeClr>
+              </a:lnRef>
+              <a:fillRef idx="1">
+                <a:schemeClr val="accent1"/>
+              </a:fillRef>
+              <a:effectRef idx="0">
+                <a:schemeClr val="accent1"/>
+              </a:effectRef>
+              <a:fontRef idx="minor">
+                <a:schemeClr val="lt1"/>
+              </a:fontRef>
+            </p:style>
+            <p:txBody>
+              <a:bodyPr rtlCol="0" anchor="ctr"/>
+              <a:lstStyle/>
+              <a:p>
+                <a:pPr algn="ctr"/>
+                <a:endParaRPr lang="en-US"/>
+              </a:p>
+            </p:txBody>
+          </p:sp>
+          <p:sp>
+            <p:nvSpPr>
+              <p:cNvPr id="31" name="Rectangle 30"/>
+              <p:cNvSpPr/>
+              <p:nvPr/>
+            </p:nvSpPr>
+            <p:spPr>
+              <a:xfrm>
+                <a:off x="608084" y="5298430"/>
+                <a:ext cx="1512168" cy="489542"/>
+              </a:xfrm>
+              <a:prstGeom prst="rect">
+                <a:avLst/>
+              </a:prstGeom>
+              <a:noFill/>
+              <a:ln w="3175">
+                <a:solidFill>
+                  <a:schemeClr val="tx1"/>
+                </a:solidFill>
+              </a:ln>
+            </p:spPr>
+            <p:style>
+              <a:lnRef idx="2">
+                <a:schemeClr val="accent1">
+                  <a:shade val="50000"/>
+                </a:schemeClr>
+              </a:lnRef>
+              <a:fillRef idx="1">
+                <a:schemeClr val="accent1"/>
+              </a:fillRef>
+              <a:effectRef idx="0">
+                <a:schemeClr val="accent1"/>
+              </a:effectRef>
+              <a:fontRef idx="minor">
+                <a:schemeClr val="lt1"/>
+              </a:fontRef>
+            </p:style>
+            <p:txBody>
+              <a:bodyPr rtlCol="0" anchor="ctr"/>
+              <a:lstStyle/>
+              <a:p>
+                <a:pPr algn="ctr"/>
+                <a:endParaRPr lang="en-US"/>
+              </a:p>
+            </p:txBody>
+          </p:sp>
+          <p:sp>
+            <p:nvSpPr>
+              <p:cNvPr id="32" name="Rectangle 31"/>
+              <p:cNvSpPr/>
+              <p:nvPr/>
+            </p:nvSpPr>
+            <p:spPr>
+              <a:xfrm>
+                <a:off x="4150990" y="3440174"/>
+                <a:ext cx="1512168" cy="489542"/>
+              </a:xfrm>
+              <a:prstGeom prst="rect">
+                <a:avLst/>
+              </a:prstGeom>
+              <a:noFill/>
+              <a:ln w="3175">
+                <a:solidFill>
+                  <a:schemeClr val="tx1"/>
+                </a:solidFill>
+              </a:ln>
+            </p:spPr>
+            <p:style>
+              <a:lnRef idx="2">
+                <a:schemeClr val="accent1">
+                  <a:shade val="50000"/>
+                </a:schemeClr>
+              </a:lnRef>
+              <a:fillRef idx="1">
+                <a:schemeClr val="accent1"/>
+              </a:fillRef>
+              <a:effectRef idx="0">
+                <a:schemeClr val="accent1"/>
+              </a:effectRef>
+              <a:fontRef idx="minor">
+                <a:schemeClr val="lt1"/>
+              </a:fontRef>
+            </p:style>
+            <p:txBody>
+              <a:bodyPr rtlCol="0" anchor="ctr"/>
+              <a:lstStyle/>
+              <a:p>
+                <a:pPr algn="ctr"/>
+                <a:endParaRPr lang="en-US"/>
+              </a:p>
+            </p:txBody>
+          </p:sp>
+          <p:sp>
+            <p:nvSpPr>
+              <p:cNvPr id="33" name="Rectangle 32"/>
+              <p:cNvSpPr/>
+              <p:nvPr/>
+            </p:nvSpPr>
+            <p:spPr>
+              <a:xfrm>
+                <a:off x="4150990" y="4074856"/>
+                <a:ext cx="1512168" cy="489542"/>
+              </a:xfrm>
+              <a:prstGeom prst="rect">
+                <a:avLst/>
+              </a:prstGeom>
+              <a:noFill/>
+              <a:ln w="3175">
+                <a:solidFill>
+                  <a:schemeClr val="tx1"/>
+                </a:solidFill>
+              </a:ln>
+            </p:spPr>
+            <p:style>
+              <a:lnRef idx="2">
+                <a:schemeClr val="accent1">
+                  <a:shade val="50000"/>
+                </a:schemeClr>
+              </a:lnRef>
+              <a:fillRef idx="1">
+                <a:schemeClr val="accent1"/>
+              </a:fillRef>
+              <a:effectRef idx="0">
+                <a:schemeClr val="accent1"/>
+              </a:effectRef>
+              <a:fontRef idx="minor">
+                <a:schemeClr val="lt1"/>
+              </a:fontRef>
+            </p:style>
+            <p:txBody>
+              <a:bodyPr rtlCol="0" anchor="ctr"/>
+              <a:lstStyle/>
+              <a:p>
+                <a:pPr algn="ctr"/>
+                <a:endParaRPr lang="en-US"/>
+              </a:p>
+            </p:txBody>
+          </p:sp>
+          <p:sp>
+            <p:nvSpPr>
+              <p:cNvPr id="34" name="Rectangle 33"/>
+              <p:cNvSpPr/>
+              <p:nvPr/>
+            </p:nvSpPr>
+            <p:spPr>
+              <a:xfrm>
+                <a:off x="4150990" y="4679386"/>
+                <a:ext cx="1512168" cy="489542"/>
+              </a:xfrm>
+              <a:prstGeom prst="rect">
+                <a:avLst/>
+              </a:prstGeom>
+              <a:noFill/>
+              <a:ln w="3175">
+                <a:solidFill>
+                  <a:schemeClr val="tx1"/>
+                </a:solidFill>
+              </a:ln>
+            </p:spPr>
+            <p:style>
+              <a:lnRef idx="2">
+                <a:schemeClr val="accent1">
+                  <a:shade val="50000"/>
+                </a:schemeClr>
+              </a:lnRef>
+              <a:fillRef idx="1">
+                <a:schemeClr val="accent1"/>
+              </a:fillRef>
+              <a:effectRef idx="0">
+                <a:schemeClr val="accent1"/>
+              </a:effectRef>
+              <a:fontRef idx="minor">
+                <a:schemeClr val="lt1"/>
+              </a:fontRef>
+            </p:style>
+            <p:txBody>
+              <a:bodyPr rtlCol="0" anchor="ctr"/>
+              <a:lstStyle/>
+              <a:p>
+                <a:pPr algn="ctr"/>
+                <a:endParaRPr lang="en-US"/>
+              </a:p>
+            </p:txBody>
+          </p:sp>
+          <p:sp>
+            <p:nvSpPr>
+              <p:cNvPr id="35" name="Rectangle 34"/>
+              <p:cNvSpPr/>
+              <p:nvPr/>
+            </p:nvSpPr>
+            <p:spPr>
+              <a:xfrm>
+                <a:off x="4150990" y="5341972"/>
+                <a:ext cx="1512168" cy="489542"/>
+              </a:xfrm>
+              <a:prstGeom prst="rect">
+                <a:avLst/>
+              </a:prstGeom>
+              <a:noFill/>
+              <a:ln w="3175">
+                <a:solidFill>
+                  <a:schemeClr val="tx1"/>
+                </a:solidFill>
+              </a:ln>
+            </p:spPr>
+            <p:style>
+              <a:lnRef idx="2">
+                <a:schemeClr val="accent1">
+                  <a:shade val="50000"/>
+                </a:schemeClr>
+              </a:lnRef>
+              <a:fillRef idx="1">
+                <a:schemeClr val="accent1"/>
+              </a:fillRef>
+              <a:effectRef idx="0">
+                <a:schemeClr val="accent1"/>
+              </a:effectRef>
+              <a:fontRef idx="minor">
+                <a:schemeClr val="lt1"/>
+              </a:fontRef>
+            </p:style>
+            <p:txBody>
+              <a:bodyPr rtlCol="0" anchor="ctr"/>
+              <a:lstStyle/>
+              <a:p>
+                <a:pPr algn="ctr"/>
+                <a:endParaRPr lang="en-US"/>
+              </a:p>
+            </p:txBody>
+          </p:sp>
+          <p:sp>
+            <p:nvSpPr>
+              <p:cNvPr id="38" name="Rectangle 37"/>
+              <p:cNvSpPr/>
+              <p:nvPr/>
+            </p:nvSpPr>
+            <p:spPr>
+              <a:xfrm>
+                <a:off x="6383238" y="4078486"/>
+                <a:ext cx="3384376" cy="478656"/>
+              </a:xfrm>
+              <a:prstGeom prst="rect">
+                <a:avLst/>
+              </a:prstGeom>
+              <a:noFill/>
+              <a:ln w="3175">
+                <a:solidFill>
+                  <a:schemeClr val="tx1"/>
+                </a:solidFill>
+              </a:ln>
+            </p:spPr>
+            <p:style>
+              <a:lnRef idx="2">
+                <a:schemeClr val="accent1">
+                  <a:shade val="50000"/>
+                </a:schemeClr>
+              </a:lnRef>
+              <a:fillRef idx="1">
+                <a:schemeClr val="accent1"/>
+              </a:fillRef>
+              <a:effectRef idx="0">
+                <a:schemeClr val="accent1"/>
+              </a:effectRef>
+              <a:fontRef idx="minor">
+                <a:schemeClr val="lt1"/>
+              </a:fontRef>
+            </p:style>
+            <p:txBody>
+              <a:bodyPr rtlCol="0" anchor="ctr"/>
+              <a:lstStyle/>
+              <a:p>
+                <a:pPr algn="ctr"/>
+                <a:endParaRPr lang="en-US"/>
+              </a:p>
+            </p:txBody>
+          </p:sp>
+          <p:sp>
+            <p:nvSpPr>
+              <p:cNvPr id="42" name="Rectangle 41"/>
+              <p:cNvSpPr/>
+              <p:nvPr/>
+            </p:nvSpPr>
+            <p:spPr>
+              <a:xfrm>
+                <a:off x="6383238" y="3464322"/>
+                <a:ext cx="3384376" cy="478656"/>
+              </a:xfrm>
+              <a:prstGeom prst="rect">
+                <a:avLst/>
+              </a:prstGeom>
+              <a:noFill/>
+              <a:ln w="3175">
+                <a:solidFill>
+                  <a:schemeClr val="tx1"/>
+                </a:solidFill>
+              </a:ln>
+            </p:spPr>
+            <p:style>
+              <a:lnRef idx="2">
+                <a:schemeClr val="accent1">
+                  <a:shade val="50000"/>
+                </a:schemeClr>
+              </a:lnRef>
+              <a:fillRef idx="1">
+                <a:schemeClr val="accent1"/>
+              </a:fillRef>
+              <a:effectRef idx="0">
+                <a:schemeClr val="accent1"/>
+              </a:effectRef>
+              <a:fontRef idx="minor">
+                <a:schemeClr val="lt1"/>
+              </a:fontRef>
+            </p:style>
+            <p:txBody>
+              <a:bodyPr rtlCol="0" anchor="ctr"/>
+              <a:lstStyle/>
+              <a:p>
+                <a:pPr algn="ctr"/>
+                <a:endParaRPr lang="en-US"/>
+              </a:p>
+            </p:txBody>
+          </p:sp>
+          <p:sp>
+            <p:nvSpPr>
+              <p:cNvPr id="43" name="Rectangle 42"/>
+              <p:cNvSpPr/>
+              <p:nvPr/>
+            </p:nvSpPr>
+            <p:spPr>
+              <a:xfrm>
+                <a:off x="6383238" y="4722366"/>
+                <a:ext cx="3384376" cy="478656"/>
+              </a:xfrm>
+              <a:prstGeom prst="rect">
+                <a:avLst/>
+              </a:prstGeom>
+              <a:noFill/>
+              <a:ln w="3175">
+                <a:solidFill>
+                  <a:schemeClr val="tx1"/>
+                </a:solidFill>
+              </a:ln>
+            </p:spPr>
+            <p:style>
+              <a:lnRef idx="2">
+                <a:schemeClr val="accent1">
+                  <a:shade val="50000"/>
+                </a:schemeClr>
+              </a:lnRef>
+              <a:fillRef idx="1">
+                <a:schemeClr val="accent1"/>
+              </a:fillRef>
+              <a:effectRef idx="0">
+                <a:schemeClr val="accent1"/>
+              </a:effectRef>
+              <a:fontRef idx="minor">
+                <a:schemeClr val="lt1"/>
+              </a:fontRef>
+            </p:style>
+            <p:txBody>
+              <a:bodyPr rtlCol="0" anchor="ctr"/>
+              <a:lstStyle/>
+              <a:p>
+                <a:pPr algn="ctr"/>
+                <a:endParaRPr lang="en-US"/>
+              </a:p>
+            </p:txBody>
+          </p:sp>
+          <p:sp>
+            <p:nvSpPr>
+              <p:cNvPr id="44" name="Rectangle 43"/>
+              <p:cNvSpPr/>
+              <p:nvPr/>
+            </p:nvSpPr>
+            <p:spPr>
+              <a:xfrm>
+                <a:off x="6383238" y="5298430"/>
+                <a:ext cx="3384376" cy="478656"/>
+              </a:xfrm>
+              <a:prstGeom prst="rect">
+                <a:avLst/>
+              </a:prstGeom>
+              <a:noFill/>
+              <a:ln w="3175">
+                <a:solidFill>
+                  <a:schemeClr val="tx1"/>
+                </a:solidFill>
+              </a:ln>
+            </p:spPr>
+            <p:style>
+              <a:lnRef idx="2">
+                <a:schemeClr val="accent1">
+                  <a:shade val="50000"/>
+                </a:schemeClr>
+              </a:lnRef>
+              <a:fillRef idx="1">
+                <a:schemeClr val="accent1"/>
+              </a:fillRef>
+              <a:effectRef idx="0">
+                <a:schemeClr val="accent1"/>
+              </a:effectRef>
+              <a:fontRef idx="minor">
+                <a:schemeClr val="lt1"/>
+              </a:fontRef>
+            </p:style>
+            <p:txBody>
+              <a:bodyPr rtlCol="0" anchor="ctr"/>
+              <a:lstStyle/>
+              <a:p>
+                <a:pPr algn="ctr"/>
+                <a:endParaRPr lang="en-US"/>
+              </a:p>
+            </p:txBody>
+          </p:sp>
+          <p:sp>
+            <p:nvSpPr>
+              <p:cNvPr id="45" name="Rectangle 44"/>
+              <p:cNvSpPr/>
+              <p:nvPr/>
+            </p:nvSpPr>
+            <p:spPr>
+              <a:xfrm>
+                <a:off x="6383238" y="5874494"/>
+                <a:ext cx="3384376" cy="478656"/>
+              </a:xfrm>
+              <a:prstGeom prst="rect">
+                <a:avLst/>
+              </a:prstGeom>
+              <a:noFill/>
+              <a:ln w="3175">
+                <a:solidFill>
+                  <a:schemeClr val="tx1"/>
+                </a:solidFill>
+              </a:ln>
+            </p:spPr>
+            <p:style>
+              <a:lnRef idx="2">
+                <a:schemeClr val="accent1">
+                  <a:shade val="50000"/>
+                </a:schemeClr>
+              </a:lnRef>
+              <a:fillRef idx="1">
+                <a:schemeClr val="accent1"/>
+              </a:fillRef>
+              <a:effectRef idx="0">
+                <a:schemeClr val="accent1"/>
+              </a:effectRef>
+              <a:fontRef idx="minor">
+                <a:schemeClr val="lt1"/>
+              </a:fontRef>
+            </p:style>
+            <p:txBody>
+              <a:bodyPr rtlCol="0" anchor="ctr"/>
+              <a:lstStyle/>
+              <a:p>
+                <a:pPr algn="ctr"/>
+                <a:endParaRPr lang="en-US"/>
+              </a:p>
+            </p:txBody>
+          </p:sp>
+        </p:grpSp>
+        <p:sp>
+          <p:nvSpPr>
+            <p:cNvPr id="25" name="Rectangle 24"/>
+            <p:cNvSpPr/>
+            <p:nvPr/>
+          </p:nvSpPr>
+          <p:spPr>
+            <a:xfrm>
+              <a:off x="508562" y="2564904"/>
+              <a:ext cx="9433048" cy="3816424"/>
+            </a:xfrm>
+            <a:prstGeom prst="rect">
+              <a:avLst/>
+            </a:prstGeom>
             <a:noFill/>
-            <a:miter lim="800000"/>
-            <a:headEnd/>
-            <a:tailEnd/>
-          </a:ln>
-        </p:spPr>
-      </p:pic>
-      <p:sp>
-        <p:nvSpPr>
-          <p:cNvPr id="23" name="Rectangle 22"/>
-          <p:cNvSpPr/>
-          <p:nvPr/>
-        </p:nvSpPr>
-        <p:spPr>
-          <a:xfrm>
-            <a:off x="608084" y="3068960"/>
-            <a:ext cx="1512168" cy="489542"/>
-          </a:xfrm>
-          <a:prstGeom prst="rect">
-            <a:avLst/>
-          </a:prstGeom>
-          <a:noFill/>
-          <a:ln w="3175">
-            <a:solidFill>
-              <a:schemeClr val="tx1"/>
-            </a:solidFill>
-          </a:ln>
-        </p:spPr>
-        <p:style>
-          <a:lnRef idx="2">
-            <a:schemeClr val="accent1">
-              <a:shade val="50000"/>
-            </a:schemeClr>
-          </a:lnRef>
-          <a:fillRef idx="1">
-            <a:schemeClr val="accent1"/>
-          </a:fillRef>
-          <a:effectRef idx="0">
-            <a:schemeClr val="accent1"/>
-          </a:effectRef>
-          <a:fontRef idx="minor">
-            <a:schemeClr val="lt1"/>
-          </a:fontRef>
-        </p:style>
-        <p:txBody>
-          <a:bodyPr rtlCol="0" anchor="ctr"/>
-          <a:lstStyle/>
-          <a:p>
-            <a:pPr algn="ctr"/>
-            <a:endParaRPr lang="en-US"/>
-          </a:p>
-        </p:txBody>
-      </p:sp>
-      <p:sp>
-        <p:nvSpPr>
-          <p:cNvPr id="28" name="Rectangle 27"/>
-          <p:cNvSpPr/>
-          <p:nvPr/>
-        </p:nvSpPr>
-        <p:spPr>
-          <a:xfrm>
-            <a:off x="608084" y="3717032"/>
-            <a:ext cx="1512168" cy="489542"/>
-          </a:xfrm>
-          <a:prstGeom prst="rect">
-            <a:avLst/>
-          </a:prstGeom>
-          <a:noFill/>
-          <a:ln w="3175">
-            <a:solidFill>
-              <a:schemeClr val="tx1"/>
-            </a:solidFill>
-          </a:ln>
-        </p:spPr>
-        <p:style>
-          <a:lnRef idx="2">
-            <a:schemeClr val="accent1">
-              <a:shade val="50000"/>
-            </a:schemeClr>
-          </a:lnRef>
-          <a:fillRef idx="1">
-            <a:schemeClr val="accent1"/>
-          </a:fillRef>
-          <a:effectRef idx="0">
-            <a:schemeClr val="accent1"/>
-          </a:effectRef>
-          <a:fontRef idx="minor">
-            <a:schemeClr val="lt1"/>
-          </a:fontRef>
-        </p:style>
-        <p:txBody>
-          <a:bodyPr rtlCol="0" anchor="ctr"/>
-          <a:lstStyle/>
-          <a:p>
-            <a:pPr algn="ctr"/>
-            <a:endParaRPr lang="en-US"/>
-          </a:p>
-        </p:txBody>
-      </p:sp>
-      <p:sp>
-        <p:nvSpPr>
-          <p:cNvPr id="29" name="Rectangle 28"/>
-          <p:cNvSpPr/>
-          <p:nvPr/>
-        </p:nvSpPr>
-        <p:spPr>
-          <a:xfrm>
-            <a:off x="608084" y="4336638"/>
-            <a:ext cx="1512168" cy="489542"/>
-          </a:xfrm>
-          <a:prstGeom prst="rect">
-            <a:avLst/>
-          </a:prstGeom>
-          <a:noFill/>
-          <a:ln w="3175">
-            <a:solidFill>
-              <a:schemeClr val="tx1"/>
-            </a:solidFill>
-          </a:ln>
-        </p:spPr>
-        <p:style>
-          <a:lnRef idx="2">
-            <a:schemeClr val="accent1">
-              <a:shade val="50000"/>
-            </a:schemeClr>
-          </a:lnRef>
-          <a:fillRef idx="1">
-            <a:schemeClr val="accent1"/>
-          </a:fillRef>
-          <a:effectRef idx="0">
-            <a:schemeClr val="accent1"/>
-          </a:effectRef>
-          <a:fontRef idx="minor">
-            <a:schemeClr val="lt1"/>
-          </a:fontRef>
-        </p:style>
-        <p:txBody>
-          <a:bodyPr rtlCol="0" anchor="ctr"/>
-          <a:lstStyle/>
-          <a:p>
-            <a:pPr algn="ctr"/>
-            <a:endParaRPr lang="en-US"/>
-          </a:p>
-        </p:txBody>
-      </p:sp>
-      <p:sp>
-        <p:nvSpPr>
-          <p:cNvPr id="30" name="Rectangle 29"/>
-          <p:cNvSpPr/>
-          <p:nvPr/>
-        </p:nvSpPr>
-        <p:spPr>
-          <a:xfrm>
-            <a:off x="608084" y="4970196"/>
-            <a:ext cx="1512168" cy="489542"/>
-          </a:xfrm>
-          <a:prstGeom prst="rect">
-            <a:avLst/>
-          </a:prstGeom>
-          <a:noFill/>
-          <a:ln w="3175">
-            <a:solidFill>
-              <a:schemeClr val="tx1"/>
-            </a:solidFill>
-          </a:ln>
-        </p:spPr>
-        <p:style>
-          <a:lnRef idx="2">
-            <a:schemeClr val="accent1">
-              <a:shade val="50000"/>
-            </a:schemeClr>
-          </a:lnRef>
-          <a:fillRef idx="1">
-            <a:schemeClr val="accent1"/>
-          </a:fillRef>
-          <a:effectRef idx="0">
-            <a:schemeClr val="accent1"/>
-          </a:effectRef>
-          <a:fontRef idx="minor">
-            <a:schemeClr val="lt1"/>
-          </a:fontRef>
-        </p:style>
-        <p:txBody>
-          <a:bodyPr rtlCol="0" anchor="ctr"/>
-          <a:lstStyle/>
-          <a:p>
-            <a:pPr algn="ctr"/>
-            <a:endParaRPr lang="en-US"/>
-          </a:p>
-        </p:txBody>
-      </p:sp>
-      <p:sp>
-        <p:nvSpPr>
-          <p:cNvPr id="31" name="Rectangle 30"/>
-          <p:cNvSpPr/>
-          <p:nvPr/>
-        </p:nvSpPr>
-        <p:spPr>
-          <a:xfrm>
-            <a:off x="608084" y="5589240"/>
-            <a:ext cx="1512168" cy="489542"/>
-          </a:xfrm>
-          <a:prstGeom prst="rect">
-            <a:avLst/>
-          </a:prstGeom>
-          <a:noFill/>
-          <a:ln w="3175">
-            <a:solidFill>
-              <a:schemeClr val="tx1"/>
-            </a:solidFill>
-          </a:ln>
-        </p:spPr>
-        <p:style>
-          <a:lnRef idx="2">
-            <a:schemeClr val="accent1">
-              <a:shade val="50000"/>
-            </a:schemeClr>
-          </a:lnRef>
-          <a:fillRef idx="1">
-            <a:schemeClr val="accent1"/>
-          </a:fillRef>
-          <a:effectRef idx="0">
-            <a:schemeClr val="accent1"/>
-          </a:effectRef>
-          <a:fontRef idx="minor">
-            <a:schemeClr val="lt1"/>
-          </a:fontRef>
-        </p:style>
-        <p:txBody>
-          <a:bodyPr rtlCol="0" anchor="ctr"/>
-          <a:lstStyle/>
-          <a:p>
-            <a:pPr algn="ctr"/>
-            <a:endParaRPr lang="en-US"/>
-          </a:p>
-        </p:txBody>
-      </p:sp>
-      <p:sp>
-        <p:nvSpPr>
-          <p:cNvPr id="32" name="Rectangle 31"/>
-          <p:cNvSpPr/>
-          <p:nvPr/>
-        </p:nvSpPr>
-        <p:spPr>
-          <a:xfrm>
-            <a:off x="4150990" y="3730984"/>
-            <a:ext cx="1512168" cy="489542"/>
-          </a:xfrm>
-          <a:prstGeom prst="rect">
-            <a:avLst/>
-          </a:prstGeom>
-          <a:noFill/>
-          <a:ln w="3175">
-            <a:solidFill>
-              <a:schemeClr val="tx1"/>
-            </a:solidFill>
-          </a:ln>
-        </p:spPr>
-        <p:style>
-          <a:lnRef idx="2">
-            <a:schemeClr val="accent1">
-              <a:shade val="50000"/>
-            </a:schemeClr>
-          </a:lnRef>
-          <a:fillRef idx="1">
-            <a:schemeClr val="accent1"/>
-          </a:fillRef>
-          <a:effectRef idx="0">
-            <a:schemeClr val="accent1"/>
-          </a:effectRef>
-          <a:fontRef idx="minor">
-            <a:schemeClr val="lt1"/>
-          </a:fontRef>
-        </p:style>
-        <p:txBody>
-          <a:bodyPr rtlCol="0" anchor="ctr"/>
-          <a:lstStyle/>
-          <a:p>
-            <a:pPr algn="ctr"/>
-            <a:endParaRPr lang="en-US"/>
-          </a:p>
-        </p:txBody>
-      </p:sp>
-      <p:sp>
-        <p:nvSpPr>
-          <p:cNvPr id="33" name="Rectangle 32"/>
-          <p:cNvSpPr/>
-          <p:nvPr/>
-        </p:nvSpPr>
-        <p:spPr>
-          <a:xfrm>
-            <a:off x="4150990" y="4365666"/>
-            <a:ext cx="1512168" cy="489542"/>
-          </a:xfrm>
-          <a:prstGeom prst="rect">
-            <a:avLst/>
-          </a:prstGeom>
-          <a:noFill/>
-          <a:ln w="3175">
-            <a:solidFill>
-              <a:schemeClr val="tx1"/>
-            </a:solidFill>
-          </a:ln>
-        </p:spPr>
-        <p:style>
-          <a:lnRef idx="2">
-            <a:schemeClr val="accent1">
-              <a:shade val="50000"/>
-            </a:schemeClr>
-          </a:lnRef>
-          <a:fillRef idx="1">
-            <a:schemeClr val="accent1"/>
-          </a:fillRef>
-          <a:effectRef idx="0">
-            <a:schemeClr val="accent1"/>
-          </a:effectRef>
-          <a:fontRef idx="minor">
-            <a:schemeClr val="lt1"/>
-          </a:fontRef>
-        </p:style>
-        <p:txBody>
-          <a:bodyPr rtlCol="0" anchor="ctr"/>
-          <a:lstStyle/>
-          <a:p>
-            <a:pPr algn="ctr"/>
-            <a:endParaRPr lang="en-US"/>
-          </a:p>
-        </p:txBody>
-      </p:sp>
-      <p:sp>
-        <p:nvSpPr>
-          <p:cNvPr id="34" name="Rectangle 33"/>
-          <p:cNvSpPr/>
-          <p:nvPr/>
-        </p:nvSpPr>
-        <p:spPr>
-          <a:xfrm>
-            <a:off x="4150990" y="4970196"/>
-            <a:ext cx="1512168" cy="489542"/>
-          </a:xfrm>
-          <a:prstGeom prst="rect">
-            <a:avLst/>
-          </a:prstGeom>
-          <a:noFill/>
-          <a:ln w="3175">
-            <a:solidFill>
-              <a:schemeClr val="tx1"/>
-            </a:solidFill>
-          </a:ln>
-        </p:spPr>
-        <p:style>
-          <a:lnRef idx="2">
-            <a:schemeClr val="accent1">
-              <a:shade val="50000"/>
-            </a:schemeClr>
-          </a:lnRef>
-          <a:fillRef idx="1">
-            <a:schemeClr val="accent1"/>
-          </a:fillRef>
-          <a:effectRef idx="0">
-            <a:schemeClr val="accent1"/>
-          </a:effectRef>
-          <a:fontRef idx="minor">
-            <a:schemeClr val="lt1"/>
-          </a:fontRef>
-        </p:style>
-        <p:txBody>
-          <a:bodyPr rtlCol="0" anchor="ctr"/>
-          <a:lstStyle/>
-          <a:p>
-            <a:pPr algn="ctr"/>
-            <a:endParaRPr lang="en-US"/>
-          </a:p>
-        </p:txBody>
-      </p:sp>
-      <p:sp>
-        <p:nvSpPr>
-          <p:cNvPr id="35" name="Rectangle 34"/>
-          <p:cNvSpPr/>
-          <p:nvPr/>
-        </p:nvSpPr>
-        <p:spPr>
-          <a:xfrm>
-            <a:off x="4150990" y="5632782"/>
-            <a:ext cx="1512168" cy="489542"/>
-          </a:xfrm>
-          <a:prstGeom prst="rect">
-            <a:avLst/>
-          </a:prstGeom>
-          <a:noFill/>
-          <a:ln w="3175">
-            <a:solidFill>
-              <a:schemeClr val="tx1"/>
-            </a:solidFill>
-          </a:ln>
-        </p:spPr>
-        <p:style>
-          <a:lnRef idx="2">
-            <a:schemeClr val="accent1">
-              <a:shade val="50000"/>
-            </a:schemeClr>
-          </a:lnRef>
-          <a:fillRef idx="1">
-            <a:schemeClr val="accent1"/>
-          </a:fillRef>
-          <a:effectRef idx="0">
-            <a:schemeClr val="accent1"/>
-          </a:effectRef>
-          <a:fontRef idx="minor">
-            <a:schemeClr val="lt1"/>
-          </a:fontRef>
-        </p:style>
-        <p:txBody>
-          <a:bodyPr rtlCol="0" anchor="ctr"/>
-          <a:lstStyle/>
-          <a:p>
-            <a:pPr algn="ctr"/>
-            <a:endParaRPr lang="en-US"/>
-          </a:p>
-        </p:txBody>
-      </p:sp>
-      <p:sp>
-        <p:nvSpPr>
-          <p:cNvPr id="38" name="Rectangle 37"/>
-          <p:cNvSpPr/>
-          <p:nvPr/>
-        </p:nvSpPr>
-        <p:spPr>
-          <a:xfrm>
-            <a:off x="6383238" y="4369296"/>
-            <a:ext cx="3384376" cy="478656"/>
-          </a:xfrm>
-          <a:prstGeom prst="rect">
-            <a:avLst/>
-          </a:prstGeom>
-          <a:noFill/>
-          <a:ln w="3175">
-            <a:solidFill>
-              <a:schemeClr val="tx1"/>
-            </a:solidFill>
-          </a:ln>
-        </p:spPr>
-        <p:style>
-          <a:lnRef idx="2">
-            <a:schemeClr val="accent1">
-              <a:shade val="50000"/>
-            </a:schemeClr>
-          </a:lnRef>
-          <a:fillRef idx="1">
-            <a:schemeClr val="accent1"/>
-          </a:fillRef>
-          <a:effectRef idx="0">
-            <a:schemeClr val="accent1"/>
-          </a:effectRef>
-          <a:fontRef idx="minor">
-            <a:schemeClr val="lt1"/>
-          </a:fontRef>
-        </p:style>
-        <p:txBody>
-          <a:bodyPr rtlCol="0" anchor="ctr"/>
-          <a:lstStyle/>
-          <a:p>
-            <a:pPr algn="ctr"/>
-            <a:endParaRPr lang="en-US"/>
-          </a:p>
-        </p:txBody>
-      </p:sp>
-      <p:sp>
-        <p:nvSpPr>
-          <p:cNvPr id="42" name="Rectangle 41"/>
-          <p:cNvSpPr/>
-          <p:nvPr/>
-        </p:nvSpPr>
-        <p:spPr>
-          <a:xfrm>
-            <a:off x="6383238" y="3755132"/>
-            <a:ext cx="3384376" cy="478656"/>
-          </a:xfrm>
-          <a:prstGeom prst="rect">
-            <a:avLst/>
-          </a:prstGeom>
-          <a:noFill/>
-          <a:ln w="3175">
-            <a:solidFill>
-              <a:schemeClr val="tx1"/>
-            </a:solidFill>
-          </a:ln>
-        </p:spPr>
-        <p:style>
-          <a:lnRef idx="2">
-            <a:schemeClr val="accent1">
-              <a:shade val="50000"/>
-            </a:schemeClr>
-          </a:lnRef>
-          <a:fillRef idx="1">
-            <a:schemeClr val="accent1"/>
-          </a:fillRef>
-          <a:effectRef idx="0">
-            <a:schemeClr val="accent1"/>
-          </a:effectRef>
-          <a:fontRef idx="minor">
-            <a:schemeClr val="lt1"/>
-          </a:fontRef>
-        </p:style>
-        <p:txBody>
-          <a:bodyPr rtlCol="0" anchor="ctr"/>
-          <a:lstStyle/>
-          <a:p>
-            <a:pPr algn="ctr"/>
-            <a:endParaRPr lang="en-US"/>
-          </a:p>
-        </p:txBody>
-      </p:sp>
-      <p:sp>
-        <p:nvSpPr>
-          <p:cNvPr id="43" name="Rectangle 42"/>
-          <p:cNvSpPr/>
-          <p:nvPr/>
-        </p:nvSpPr>
-        <p:spPr>
-          <a:xfrm>
-            <a:off x="6383238" y="5013176"/>
-            <a:ext cx="3384376" cy="478656"/>
-          </a:xfrm>
-          <a:prstGeom prst="rect">
-            <a:avLst/>
-          </a:prstGeom>
-          <a:noFill/>
-          <a:ln w="3175">
-            <a:solidFill>
-              <a:schemeClr val="tx1"/>
-            </a:solidFill>
-          </a:ln>
-        </p:spPr>
-        <p:style>
-          <a:lnRef idx="2">
-            <a:schemeClr val="accent1">
-              <a:shade val="50000"/>
-            </a:schemeClr>
-          </a:lnRef>
-          <a:fillRef idx="1">
-            <a:schemeClr val="accent1"/>
-          </a:fillRef>
-          <a:effectRef idx="0">
-            <a:schemeClr val="accent1"/>
-          </a:effectRef>
-          <a:fontRef idx="minor">
-            <a:schemeClr val="lt1"/>
-          </a:fontRef>
-        </p:style>
-        <p:txBody>
-          <a:bodyPr rtlCol="0" anchor="ctr"/>
-          <a:lstStyle/>
-          <a:p>
-            <a:pPr algn="ctr"/>
-            <a:endParaRPr lang="en-US"/>
-          </a:p>
-        </p:txBody>
-      </p:sp>
-      <p:sp>
-        <p:nvSpPr>
-          <p:cNvPr id="44" name="Rectangle 43"/>
-          <p:cNvSpPr/>
-          <p:nvPr/>
-        </p:nvSpPr>
-        <p:spPr>
-          <a:xfrm>
-            <a:off x="6383238" y="5589240"/>
-            <a:ext cx="3384376" cy="478656"/>
-          </a:xfrm>
-          <a:prstGeom prst="rect">
-            <a:avLst/>
-          </a:prstGeom>
-          <a:noFill/>
-          <a:ln w="3175">
-            <a:solidFill>
-              <a:schemeClr val="tx1"/>
-            </a:solidFill>
-          </a:ln>
-        </p:spPr>
-        <p:style>
-          <a:lnRef idx="2">
-            <a:schemeClr val="accent1">
-              <a:shade val="50000"/>
-            </a:schemeClr>
-          </a:lnRef>
-          <a:fillRef idx="1">
-            <a:schemeClr val="accent1"/>
-          </a:fillRef>
-          <a:effectRef idx="0">
-            <a:schemeClr val="accent1"/>
-          </a:effectRef>
-          <a:fontRef idx="minor">
-            <a:schemeClr val="lt1"/>
-          </a:fontRef>
-        </p:style>
-        <p:txBody>
-          <a:bodyPr rtlCol="0" anchor="ctr"/>
-          <a:lstStyle/>
-          <a:p>
-            <a:pPr algn="ctr"/>
-            <a:endParaRPr lang="en-US"/>
-          </a:p>
-        </p:txBody>
-      </p:sp>
-      <p:sp>
-        <p:nvSpPr>
-          <p:cNvPr id="45" name="Rectangle 44"/>
-          <p:cNvSpPr/>
-          <p:nvPr/>
-        </p:nvSpPr>
-        <p:spPr>
-          <a:xfrm>
-            <a:off x="6383238" y="6165304"/>
-            <a:ext cx="3384376" cy="478656"/>
-          </a:xfrm>
-          <a:prstGeom prst="rect">
-            <a:avLst/>
-          </a:prstGeom>
-          <a:noFill/>
-          <a:ln w="3175">
-            <a:solidFill>
-              <a:schemeClr val="tx1"/>
-            </a:solidFill>
-          </a:ln>
-        </p:spPr>
-        <p:style>
-          <a:lnRef idx="2">
-            <a:schemeClr val="accent1">
-              <a:shade val="50000"/>
-            </a:schemeClr>
-          </a:lnRef>
-          <a:fillRef idx="1">
-            <a:schemeClr val="accent1"/>
-          </a:fillRef>
-          <a:effectRef idx="0">
-            <a:schemeClr val="accent1"/>
-          </a:effectRef>
-          <a:fontRef idx="minor">
-            <a:schemeClr val="lt1"/>
-          </a:fontRef>
-        </p:style>
-        <p:txBody>
-          <a:bodyPr rtlCol="0" anchor="ctr"/>
-          <a:lstStyle/>
-          <a:p>
-            <a:pPr algn="ctr"/>
-            <a:endParaRPr lang="en-US"/>
-          </a:p>
-        </p:txBody>
-      </p:sp>
+            <a:ln>
+              <a:solidFill>
+                <a:schemeClr val="tx1"/>
+              </a:solidFill>
+            </a:ln>
+          </p:spPr>
+          <p:style>
+            <a:lnRef idx="2">
+              <a:schemeClr val="accent1">
+                <a:shade val="50000"/>
+              </a:schemeClr>
+            </a:lnRef>
+            <a:fillRef idx="1">
+              <a:schemeClr val="accent1"/>
+            </a:fillRef>
+            <a:effectRef idx="0">
+              <a:schemeClr val="accent1"/>
+            </a:effectRef>
+            <a:fontRef idx="minor">
+              <a:schemeClr val="lt1"/>
+            </a:fontRef>
+          </p:style>
+          <p:txBody>
+            <a:bodyPr rtlCol="0" anchor="ctr"/>
+            <a:lstStyle/>
+            <a:p>
+              <a:pPr algn="ctr"/>
+              <a:endParaRPr lang="en-US"/>
+            </a:p>
+          </p:txBody>
+        </p:sp>
+      </p:grpSp>
     </p:spTree>
     <p:extLst>
       <p:ext uri="{BB962C8B-B14F-4D97-AF65-F5344CB8AC3E}">
-        <p14:creationId xmlns="" xmlns:p14="http://schemas.microsoft.com/office/powerpoint/2010/main" val="4253925860"/>
+        <p14:creationId xmlns:p14="http://schemas.microsoft.com/office/powerpoint/2010/main" xmlns="" val="4253925860"/>
       </p:ext>
     </p:extLst>
   </p:cSld>
@@ -5863,7 +5939,7 @@
           <p:cNvPr id="7" name="Picture 6">
             <a:extLst>
               <a:ext uri="{FF2B5EF4-FFF2-40B4-BE49-F238E27FC236}">
-                <a16:creationId xmlns:a16="http://schemas.microsoft.com/office/drawing/2014/main" xmlns="" id="{D549EEF8-0DDC-4ADB-8B68-691DD0B6B1E9}"/>
+                <a16:creationId xmlns="" xmlns:a16="http://schemas.microsoft.com/office/drawing/2014/main" id="{D549EEF8-0DDC-4ADB-8B68-691DD0B6B1E9}"/>
               </a:ext>
             </a:extLst>
           </p:cNvPr>
@@ -5876,7 +5952,7 @@
           <a:blip r:embed="rId2" cstate="print">
             <a:extLst>
               <a:ext uri="{28A0092B-C50C-407E-A947-70E740481C1C}">
-                <a14:useLocalDpi xmlns:a14="http://schemas.microsoft.com/office/drawing/2010/main" xmlns="" val="0"/>
+                <a14:useLocalDpi xmlns="" xmlns:a14="http://schemas.microsoft.com/office/drawing/2010/main" val="0"/>
               </a:ext>
             </a:extLst>
           </a:blip>
@@ -5899,7 +5975,7 @@
           <p:cNvPr id="9" name="Footer Placeholder 2">
             <a:extLst>
               <a:ext uri="{FF2B5EF4-FFF2-40B4-BE49-F238E27FC236}">
-                <a16:creationId xmlns:a16="http://schemas.microsoft.com/office/drawing/2014/main" xmlns="" id="{FE7D71F0-97C1-4A7C-A634-BE2CA956F0C6}"/>
+                <a16:creationId xmlns="" xmlns:a16="http://schemas.microsoft.com/office/drawing/2014/main" id="{FE7D71F0-97C1-4A7C-A634-BE2CA956F0C6}"/>
               </a:ext>
             </a:extLst>
           </p:cNvPr>
@@ -6540,7 +6616,7 @@
     </p:spTree>
     <p:extLst>
       <p:ext uri="{BB962C8B-B14F-4D97-AF65-F5344CB8AC3E}">
-        <p14:creationId xmlns:p14="http://schemas.microsoft.com/office/powerpoint/2010/main" xmlns="" val="3160401395"/>
+        <p14:creationId xmlns="" xmlns:p14="http://schemas.microsoft.com/office/powerpoint/2010/main" val="3160401395"/>
       </p:ext>
     </p:extLst>
   </p:cSld>
@@ -6772,7 +6848,7 @@
           <p:cNvPr id="8" name="Picture 7">
             <a:extLst>
               <a:ext uri="{FF2B5EF4-FFF2-40B4-BE49-F238E27FC236}">
-                <a16:creationId xmlns:a16="http://schemas.microsoft.com/office/drawing/2014/main" xmlns="" id="{FEA8C22B-921E-481F-8797-57B673F1241B}"/>
+                <a16:creationId xmlns="" xmlns:a16="http://schemas.microsoft.com/office/drawing/2014/main" id="{FEA8C22B-921E-481F-8797-57B673F1241B}"/>
               </a:ext>
             </a:extLst>
           </p:cNvPr>
@@ -6785,7 +6861,7 @@
           <a:blip r:embed="rId2" cstate="print">
             <a:extLst>
               <a:ext uri="{28A0092B-C50C-407E-A947-70E740481C1C}">
-                <a14:useLocalDpi xmlns:a14="http://schemas.microsoft.com/office/drawing/2010/main" xmlns="" val="0"/>
+                <a14:useLocalDpi xmlns="" xmlns:a14="http://schemas.microsoft.com/office/drawing/2010/main" val="0"/>
               </a:ext>
             </a:extLst>
           </a:blip>
@@ -6869,7 +6945,7 @@
     </p:spTree>
     <p:extLst>
       <p:ext uri="{BB962C8B-B14F-4D97-AF65-F5344CB8AC3E}">
-        <p14:creationId xmlns:p14="http://schemas.microsoft.com/office/powerpoint/2010/main" xmlns="" val="1816086968"/>
+        <p14:creationId xmlns="" xmlns:p14="http://schemas.microsoft.com/office/powerpoint/2010/main" val="1816086968"/>
       </p:ext>
     </p:extLst>
   </p:cSld>
@@ -7053,7 +7129,7 @@
           <p:cNvPr id="8" name="Picture 7">
             <a:extLst>
               <a:ext uri="{FF2B5EF4-FFF2-40B4-BE49-F238E27FC236}">
-                <a16:creationId xmlns:a16="http://schemas.microsoft.com/office/drawing/2014/main" xmlns="" id="{0F9CE1C2-C3EE-4C9B-8F08-A833D4695BFA}"/>
+                <a16:creationId xmlns="" xmlns:a16="http://schemas.microsoft.com/office/drawing/2014/main" id="{0F9CE1C2-C3EE-4C9B-8F08-A833D4695BFA}"/>
               </a:ext>
             </a:extLst>
           </p:cNvPr>
@@ -7066,7 +7142,7 @@
           <a:blip r:embed="rId3" cstate="print">
             <a:extLst>
               <a:ext uri="{28A0092B-C50C-407E-A947-70E740481C1C}">
-                <a14:useLocalDpi xmlns:a14="http://schemas.microsoft.com/office/drawing/2010/main" xmlns="" val="0"/>
+                <a14:useLocalDpi xmlns="" xmlns:a14="http://schemas.microsoft.com/office/drawing/2010/main" val="0"/>
               </a:ext>
             </a:extLst>
           </a:blip>
@@ -7325,7 +7401,7 @@
     </p:spTree>
     <p:extLst>
       <p:ext uri="{BB962C8B-B14F-4D97-AF65-F5344CB8AC3E}">
-        <p14:creationId xmlns:p14="http://schemas.microsoft.com/office/powerpoint/2010/main" xmlns="" val="3295181206"/>
+        <p14:creationId xmlns="" xmlns:p14="http://schemas.microsoft.com/office/powerpoint/2010/main" val="3295181206"/>
       </p:ext>
     </p:extLst>
   </p:cSld>
